--- a/Youtube-Thumbnail.pptx
+++ b/Youtube-Thumbnail.pptx
@@ -5,7 +5,9 @@
     <p:sldMasterId id="2147483648" r:id="rId1"/>
   </p:sldMasterIdLst>
   <p:sldIdLst>
-    <p:sldId id="256" r:id="rId2"/>
+    <p:sldId id="257" r:id="rId2"/>
+    <p:sldId id="258" r:id="rId3"/>
+    <p:sldId id="256" r:id="rId4"/>
   </p:sldIdLst>
   <p:sldSz cx="12192000" cy="6858000"/>
   <p:notesSz cx="6858000" cy="9144000"/>
@@ -3010,14 +3012,314 @@
           <a:p>
             <a:pPr algn="l"/>
             <a:r>
-              <a:rPr lang="en-US" sz="11500" b="1" dirty="0">
+              <a:rPr lang="en-US" sz="11500" b="1" spc="300" dirty="0" smtClean="0">
                 <a:solidFill>
                   <a:schemeClr val="bg1"/>
                 </a:solidFill>
                 <a:latin typeface="SF Pro Display" panose="00000500000000000000" pitchFamily="2" charset="0"/>
               </a:rPr>
-              <a:t>Software Mistakes and Tradeoffs</a:t>
-            </a:r>
+              <a:t>Software Mistakes And Tradeoffs</a:t>
+            </a:r>
+            <a:endParaRPr lang="en-US" sz="11500" b="1" spc="300" dirty="0">
+              <a:solidFill>
+                <a:schemeClr val="bg1"/>
+              </a:solidFill>
+              <a:latin typeface="SF Pro Display" panose="00000500000000000000" pitchFamily="2" charset="0"/>
+            </a:endParaRPr>
+          </a:p>
+        </p:txBody>
+      </p:sp>
+      <p:sp>
+        <p:nvSpPr>
+          <p:cNvPr id="4" name="Title 3"/>
+          <p:cNvSpPr txBox="1">
+            <a:spLocks/>
+          </p:cNvSpPr>
+          <p:nvPr/>
+        </p:nvSpPr>
+        <p:spPr>
+          <a:xfrm>
+            <a:off x="609600" y="634483"/>
+            <a:ext cx="10972800" cy="970380"/>
+          </a:xfrm>
+          <a:prstGeom prst="rect">
+            <a:avLst/>
+          </a:prstGeom>
+        </p:spPr>
+        <p:txBody>
+          <a:bodyPr vert="horz" lIns="91440" tIns="45720" rIns="91440" bIns="45720" rtlCol="0" anchor="b">
+            <a:normAutofit/>
+          </a:bodyPr>
+          <a:lstStyle>
+            <a:lvl1pPr algn="ctr" defTabSz="914400" rtl="0" eaLnBrk="1" latinLnBrk="0" hangingPunct="1">
+              <a:lnSpc>
+                <a:spcPct val="90000"/>
+              </a:lnSpc>
+              <a:spcBef>
+                <a:spcPct val="0"/>
+              </a:spcBef>
+              <a:buNone/>
+              <a:defRPr sz="6000" kern="1200">
+                <a:solidFill>
+                  <a:schemeClr val="tx1"/>
+                </a:solidFill>
+                <a:latin typeface="+mj-lt"/>
+                <a:ea typeface="+mj-ea"/>
+                <a:cs typeface="+mj-cs"/>
+              </a:defRPr>
+            </a:lvl1pPr>
+          </a:lstStyle>
+          <a:p>
+            <a:pPr algn="l"/>
+            <a:r>
+              <a:rPr lang="en-US" dirty="0" smtClean="0">
+                <a:solidFill>
+                  <a:schemeClr val="bg1"/>
+                </a:solidFill>
+                <a:latin typeface="SF Pro Display" panose="00000500000000000000" pitchFamily="2" charset="0"/>
+              </a:rPr>
+              <a:t>Episode 1/2</a:t>
+            </a:r>
+            <a:endParaRPr lang="en-US" dirty="0">
+              <a:solidFill>
+                <a:schemeClr val="bg1"/>
+              </a:solidFill>
+              <a:latin typeface="SF Pro Display" panose="00000500000000000000" pitchFamily="2" charset="0"/>
+            </a:endParaRPr>
+          </a:p>
+        </p:txBody>
+      </p:sp>
+    </p:spTree>
+    <p:extLst>
+      <p:ext uri="{BB962C8B-B14F-4D97-AF65-F5344CB8AC3E}">
+        <p14:creationId xmlns:p14="http://schemas.microsoft.com/office/powerpoint/2010/main" val="82824198"/>
+      </p:ext>
+    </p:extLst>
+  </p:cSld>
+  <p:clrMapOvr>
+    <a:masterClrMapping/>
+  </p:clrMapOvr>
+  <p:timing>
+    <p:tnLst>
+      <p:par>
+        <p:cTn id="1" dur="indefinite" restart="never" nodeType="tmRoot"/>
+      </p:par>
+    </p:tnLst>
+  </p:timing>
+</p:sld>
+</file>
+
+<file path=ppt/slides/slide2.xml><?xml version="1.0" encoding="utf-8"?>
+<p:sld xmlns:a="http://schemas.openxmlformats.org/drawingml/2006/main" xmlns:r="http://schemas.openxmlformats.org/officeDocument/2006/relationships" xmlns:p="http://schemas.openxmlformats.org/presentationml/2006/main">
+  <p:cSld>
+    <p:spTree>
+      <p:nvGrpSpPr>
+        <p:cNvPr id="1" name=""/>
+        <p:cNvGrpSpPr/>
+        <p:nvPr/>
+      </p:nvGrpSpPr>
+      <p:grpSpPr>
+        <a:xfrm>
+          <a:off x="0" y="0"/>
+          <a:ext cx="0" cy="0"/>
+          <a:chOff x="0" y="0"/>
+          <a:chExt cx="0" cy="0"/>
+        </a:xfrm>
+      </p:grpSpPr>
+      <p:sp>
+        <p:nvSpPr>
+          <p:cNvPr id="2" name="Title 1"/>
+          <p:cNvSpPr>
+            <a:spLocks noGrp="1"/>
+          </p:cNvSpPr>
+          <p:nvPr>
+            <p:ph type="ctrTitle"/>
+          </p:nvPr>
+        </p:nvSpPr>
+        <p:spPr>
+          <a:xfrm>
+            <a:off x="609600" y="1828800"/>
+            <a:ext cx="10972800" cy="4572000"/>
+          </a:xfrm>
+        </p:spPr>
+        <p:txBody>
+          <a:bodyPr anchor="ctr">
+            <a:noAutofit/>
+          </a:bodyPr>
+          <a:lstStyle/>
+          <a:p>
+            <a:pPr algn="l"/>
+            <a:r>
+              <a:rPr lang="en-US" sz="11500" b="1" spc="300" dirty="0" smtClean="0">
+                <a:solidFill>
+                  <a:schemeClr val="bg1"/>
+                </a:solidFill>
+                <a:latin typeface="SF Pro Display" panose="00000500000000000000" pitchFamily="2" charset="0"/>
+              </a:rPr>
+              <a:t>Software Mistakes And Tradeoffs</a:t>
+            </a:r>
+            <a:endParaRPr lang="en-US" sz="11500" b="1" spc="300" dirty="0">
+              <a:solidFill>
+                <a:schemeClr val="bg1"/>
+              </a:solidFill>
+              <a:latin typeface="SF Pro Display" panose="00000500000000000000" pitchFamily="2" charset="0"/>
+            </a:endParaRPr>
+          </a:p>
+        </p:txBody>
+      </p:sp>
+      <p:sp>
+        <p:nvSpPr>
+          <p:cNvPr id="4" name="Title 3"/>
+          <p:cNvSpPr txBox="1">
+            <a:spLocks/>
+          </p:cNvSpPr>
+          <p:nvPr/>
+        </p:nvSpPr>
+        <p:spPr>
+          <a:xfrm>
+            <a:off x="609600" y="634483"/>
+            <a:ext cx="10972800" cy="970380"/>
+          </a:xfrm>
+          <a:prstGeom prst="rect">
+            <a:avLst/>
+          </a:prstGeom>
+        </p:spPr>
+        <p:txBody>
+          <a:bodyPr vert="horz" lIns="91440" tIns="45720" rIns="91440" bIns="45720" rtlCol="0" anchor="b">
+            <a:normAutofit/>
+          </a:bodyPr>
+          <a:lstStyle>
+            <a:lvl1pPr algn="ctr" defTabSz="914400" rtl="0" eaLnBrk="1" latinLnBrk="0" hangingPunct="1">
+              <a:lnSpc>
+                <a:spcPct val="90000"/>
+              </a:lnSpc>
+              <a:spcBef>
+                <a:spcPct val="0"/>
+              </a:spcBef>
+              <a:buNone/>
+              <a:defRPr sz="6000" kern="1200">
+                <a:solidFill>
+                  <a:schemeClr val="tx1"/>
+                </a:solidFill>
+                <a:latin typeface="+mj-lt"/>
+                <a:ea typeface="+mj-ea"/>
+                <a:cs typeface="+mj-cs"/>
+              </a:defRPr>
+            </a:lvl1pPr>
+          </a:lstStyle>
+          <a:p>
+            <a:pPr algn="l"/>
+            <a:r>
+              <a:rPr lang="en-US" dirty="0" smtClean="0">
+                <a:solidFill>
+                  <a:schemeClr val="bg1"/>
+                </a:solidFill>
+                <a:latin typeface="SF Pro Display" panose="00000500000000000000" pitchFamily="2" charset="0"/>
+              </a:rPr>
+              <a:t>Episode 2/2</a:t>
+            </a:r>
+            <a:endParaRPr lang="en-US" dirty="0">
+              <a:solidFill>
+                <a:schemeClr val="bg1"/>
+              </a:solidFill>
+              <a:latin typeface="SF Pro Display" panose="00000500000000000000" pitchFamily="2" charset="0"/>
+            </a:endParaRPr>
+          </a:p>
+        </p:txBody>
+      </p:sp>
+    </p:spTree>
+    <p:extLst>
+      <p:ext uri="{BB962C8B-B14F-4D97-AF65-F5344CB8AC3E}">
+        <p14:creationId xmlns:p14="http://schemas.microsoft.com/office/powerpoint/2010/main" val="2032401674"/>
+      </p:ext>
+    </p:extLst>
+  </p:cSld>
+  <p:clrMapOvr>
+    <a:masterClrMapping/>
+  </p:clrMapOvr>
+  <p:timing>
+    <p:tnLst>
+      <p:par>
+        <p:cTn id="1" dur="indefinite" restart="never" nodeType="tmRoot"/>
+      </p:par>
+    </p:tnLst>
+  </p:timing>
+</p:sld>
+</file>
+
+<file path=ppt/slides/slide3.xml><?xml version="1.0" encoding="utf-8"?>
+<p:sld xmlns:a="http://schemas.openxmlformats.org/drawingml/2006/main" xmlns:r="http://schemas.openxmlformats.org/officeDocument/2006/relationships" xmlns:p="http://schemas.openxmlformats.org/presentationml/2006/main">
+  <p:cSld>
+    <p:spTree>
+      <p:nvGrpSpPr>
+        <p:cNvPr id="1" name=""/>
+        <p:cNvGrpSpPr/>
+        <p:nvPr/>
+      </p:nvGrpSpPr>
+      <p:grpSpPr>
+        <a:xfrm>
+          <a:off x="0" y="0"/>
+          <a:ext cx="0" cy="0"/>
+          <a:chOff x="0" y="0"/>
+          <a:chExt cx="0" cy="0"/>
+        </a:xfrm>
+      </p:grpSpPr>
+      <p:sp>
+        <p:nvSpPr>
+          <p:cNvPr id="2" name="Title 1"/>
+          <p:cNvSpPr>
+            <a:spLocks noGrp="1"/>
+          </p:cNvSpPr>
+          <p:nvPr>
+            <p:ph type="ctrTitle"/>
+          </p:nvPr>
+        </p:nvSpPr>
+        <p:spPr>
+          <a:xfrm>
+            <a:off x="609600" y="1828800"/>
+            <a:ext cx="10972800" cy="4572000"/>
+          </a:xfrm>
+        </p:spPr>
+        <p:txBody>
+          <a:bodyPr anchor="ctr">
+            <a:noAutofit/>
+          </a:bodyPr>
+          <a:lstStyle/>
+          <a:p>
+            <a:pPr algn="l"/>
+            <a:r>
+              <a:rPr lang="en-US" sz="8500" b="1" spc="300" dirty="0" err="1" smtClean="0">
+                <a:solidFill>
+                  <a:schemeClr val="bg1"/>
+                </a:solidFill>
+                <a:latin typeface="SF Pro Display" panose="00000500000000000000" pitchFamily="2" charset="0"/>
+              </a:rPr>
+              <a:t>Gitlab</a:t>
+            </a:r>
+            <a:r>
+              <a:rPr lang="en-US" sz="8500" b="1" spc="300" dirty="0" smtClean="0">
+                <a:solidFill>
+                  <a:schemeClr val="bg1"/>
+                </a:solidFill>
+                <a:latin typeface="SF Pro Display" panose="00000500000000000000" pitchFamily="2" charset="0"/>
+              </a:rPr>
+              <a:t> CI/CD With Docker And Kubernetes For </a:t>
+            </a:r>
+            <a:r>
+              <a:rPr lang="en-US" sz="8500" b="1" spc="300" dirty="0" err="1" smtClean="0">
+                <a:solidFill>
+                  <a:schemeClr val="bg1"/>
+                </a:solidFill>
+                <a:latin typeface="SF Pro Display" panose="00000500000000000000" pitchFamily="2" charset="0"/>
+              </a:rPr>
+              <a:t>Microservices</a:t>
+            </a:r>
+            <a:endParaRPr lang="en-US" sz="8500" b="1" spc="300" dirty="0">
+              <a:solidFill>
+                <a:schemeClr val="bg1"/>
+              </a:solidFill>
+              <a:latin typeface="SF Pro Display" panose="00000500000000000000" pitchFamily="2" charset="0"/>
+            </a:endParaRPr>
           </a:p>
         </p:txBody>
       </p:sp>

--- a/Youtube-Thumbnail.pptx
+++ b/Youtube-Thumbnail.pptx
@@ -2990,47 +2990,6 @@
       </p:grpSpPr>
       <p:sp>
         <p:nvSpPr>
-          <p:cNvPr id="2" name="Title 1"/>
-          <p:cNvSpPr>
-            <a:spLocks noGrp="1"/>
-          </p:cNvSpPr>
-          <p:nvPr>
-            <p:ph type="ctrTitle"/>
-          </p:nvPr>
-        </p:nvSpPr>
-        <p:spPr>
-          <a:xfrm>
-            <a:off x="609600" y="1828800"/>
-            <a:ext cx="10972800" cy="4572000"/>
-          </a:xfrm>
-        </p:spPr>
-        <p:txBody>
-          <a:bodyPr anchor="ctr">
-            <a:noAutofit/>
-          </a:bodyPr>
-          <a:lstStyle/>
-          <a:p>
-            <a:pPr algn="l"/>
-            <a:r>
-              <a:rPr lang="en-US" sz="11500" b="1" spc="300" dirty="0" smtClean="0">
-                <a:solidFill>
-                  <a:schemeClr val="bg1"/>
-                </a:solidFill>
-                <a:latin typeface="SF Pro Display" panose="00000500000000000000" pitchFamily="2" charset="0"/>
-              </a:rPr>
-              <a:t>Software Mistakes And Tradeoffs</a:t>
-            </a:r>
-            <a:endParaRPr lang="en-US" sz="11500" b="1" spc="300" dirty="0">
-              <a:solidFill>
-                <a:schemeClr val="bg1"/>
-              </a:solidFill>
-              <a:latin typeface="SF Pro Display" panose="00000500000000000000" pitchFamily="2" charset="0"/>
-            </a:endParaRPr>
-          </a:p>
-        </p:txBody>
-      </p:sp>
-      <p:sp>
-        <p:nvSpPr>
           <p:cNvPr id="4" name="Title 3"/>
           <p:cNvSpPr txBox="1">
             <a:spLocks/>
@@ -3081,6 +3040,66 @@
               <a:t>Episode 1/2</a:t>
             </a:r>
             <a:endParaRPr lang="en-US" dirty="0">
+              <a:solidFill>
+                <a:schemeClr val="bg1"/>
+              </a:solidFill>
+              <a:latin typeface="SF Pro Display" panose="00000500000000000000" pitchFamily="2" charset="0"/>
+            </a:endParaRPr>
+          </a:p>
+        </p:txBody>
+      </p:sp>
+      <p:sp>
+        <p:nvSpPr>
+          <p:cNvPr id="5" name="Title 1"/>
+          <p:cNvSpPr txBox="1">
+            <a:spLocks/>
+          </p:cNvSpPr>
+          <p:nvPr/>
+        </p:nvSpPr>
+        <p:spPr>
+          <a:xfrm>
+            <a:off x="609600" y="1828800"/>
+            <a:ext cx="10972800" cy="4572000"/>
+          </a:xfrm>
+          <a:prstGeom prst="rect">
+            <a:avLst/>
+          </a:prstGeom>
+        </p:spPr>
+        <p:txBody>
+          <a:bodyPr vert="horz" lIns="91440" tIns="45720" rIns="91440" bIns="45720" rtlCol="0" anchor="t">
+            <a:noAutofit/>
+          </a:bodyPr>
+          <a:lstStyle>
+            <a:lvl1pPr algn="ctr" defTabSz="914400" rtl="0" eaLnBrk="1" latinLnBrk="0" hangingPunct="1">
+              <a:lnSpc>
+                <a:spcPct val="90000"/>
+              </a:lnSpc>
+              <a:spcBef>
+                <a:spcPct val="0"/>
+              </a:spcBef>
+              <a:buNone/>
+              <a:defRPr sz="6000" kern="1200">
+                <a:solidFill>
+                  <a:schemeClr val="tx1"/>
+                </a:solidFill>
+                <a:latin typeface="+mj-lt"/>
+                <a:ea typeface="+mj-ea"/>
+                <a:cs typeface="+mj-cs"/>
+              </a:defRPr>
+            </a:lvl1pPr>
+          </a:lstStyle>
+          <a:p>
+            <a:pPr algn="l"/>
+            <a:r>
+              <a:rPr lang="en-US" sz="10000" b="1" spc="300" dirty="0" smtClean="0">
+                <a:solidFill>
+                  <a:schemeClr val="bg1"/>
+                </a:solidFill>
+                <a:latin typeface="SF Pro Display" panose="00000500000000000000" pitchFamily="2" charset="0"/>
+              </a:rPr>
+              <a:t>SOFTWARE MISTAKES AND TRADEOFFS</a:t>
+            </a:r>
+            <a:endParaRPr lang="en-US" sz="10000" b="1" spc="300" dirty="0">
               <a:solidFill>
                 <a:schemeClr val="bg1"/>
               </a:solidFill>
@@ -3143,22 +3162,22 @@
           </a:xfrm>
         </p:spPr>
         <p:txBody>
-          <a:bodyPr anchor="ctr">
+          <a:bodyPr anchor="t">
             <a:noAutofit/>
           </a:bodyPr>
           <a:lstStyle/>
           <a:p>
             <a:pPr algn="l"/>
             <a:r>
-              <a:rPr lang="en-US" sz="11500" b="1" spc="300" dirty="0" smtClean="0">
+              <a:rPr lang="en-US" sz="10000" b="1" spc="300" dirty="0" smtClean="0">
                 <a:solidFill>
                   <a:schemeClr val="bg1"/>
                 </a:solidFill>
                 <a:latin typeface="SF Pro Display" panose="00000500000000000000" pitchFamily="2" charset="0"/>
               </a:rPr>
-              <a:t>Software Mistakes And Tradeoffs</a:t>
-            </a:r>
-            <a:endParaRPr lang="en-US" sz="11500" b="1" spc="300" dirty="0">
+              <a:t>SOFTWARE MISTAKES AND TRADEOFFS</a:t>
+            </a:r>
+            <a:endParaRPr lang="en-US" sz="10000" b="1" spc="300" dirty="0">
               <a:solidFill>
                 <a:schemeClr val="bg1"/>
               </a:solidFill>
@@ -3281,40 +3300,22 @@
           </a:xfrm>
         </p:spPr>
         <p:txBody>
-          <a:bodyPr anchor="ctr">
+          <a:bodyPr anchor="t">
             <a:noAutofit/>
           </a:bodyPr>
           <a:lstStyle/>
           <a:p>
             <a:pPr algn="l"/>
             <a:r>
-              <a:rPr lang="en-US" sz="8500" b="1" spc="300" dirty="0" err="1" smtClean="0">
+              <a:rPr lang="en-US" sz="8000" b="1" spc="300" dirty="0" smtClean="0">
                 <a:solidFill>
                   <a:schemeClr val="bg1"/>
                 </a:solidFill>
                 <a:latin typeface="SF Pro Display" panose="00000500000000000000" pitchFamily="2" charset="0"/>
               </a:rPr>
-              <a:t>Gitlab</a:t>
-            </a:r>
-            <a:r>
-              <a:rPr lang="en-US" sz="8500" b="1" spc="300" dirty="0" smtClean="0">
-                <a:solidFill>
-                  <a:schemeClr val="bg1"/>
-                </a:solidFill>
-                <a:latin typeface="SF Pro Display" panose="00000500000000000000" pitchFamily="2" charset="0"/>
-              </a:rPr>
-              <a:t> CI/CD With Docker And Kubernetes For </a:t>
-            </a:r>
-            <a:r>
-              <a:rPr lang="en-US" sz="8500" b="1" spc="300" dirty="0" err="1" smtClean="0">
-                <a:solidFill>
-                  <a:schemeClr val="bg1"/>
-                </a:solidFill>
-                <a:latin typeface="SF Pro Display" panose="00000500000000000000" pitchFamily="2" charset="0"/>
-              </a:rPr>
-              <a:t>Microservices</a:t>
-            </a:r>
-            <a:endParaRPr lang="en-US" sz="8500" b="1" spc="300" dirty="0">
+              <a:t>GITLAB CI/CD WITH DOCKER AND KUBERNETES FOR MICROSERVICES</a:t>
+            </a:r>
+            <a:endParaRPr lang="en-US" sz="8000" b="1" spc="300" dirty="0">
               <a:solidFill>
                 <a:schemeClr val="bg1"/>
               </a:solidFill>

--- a/Youtube-Thumbnail.pptx
+++ b/Youtube-Thumbnail.pptx
@@ -2974,6 +2974,20 @@
 <file path=ppt/slides/slide1.xml><?xml version="1.0" encoding="utf-8"?>
 <p:sld xmlns:a="http://schemas.openxmlformats.org/drawingml/2006/main" xmlns:r="http://schemas.openxmlformats.org/officeDocument/2006/relationships" xmlns:p="http://schemas.openxmlformats.org/presentationml/2006/main">
   <p:cSld>
+    <p:bg>
+      <p:bgPr>
+        <a:blipFill dpi="0" rotWithShape="1">
+          <a:blip r:embed="rId2">
+            <a:lum/>
+          </a:blip>
+          <a:srcRect/>
+          <a:stretch>
+            <a:fillRect t="-9000" b="-9000"/>
+          </a:stretch>
+        </a:blipFill>
+        <a:effectLst/>
+      </p:bgPr>
+    </p:bg>
     <p:spTree>
       <p:nvGrpSpPr>
         <p:cNvPr id="1" name=""/>
@@ -3050,44 +3064,25 @@
       </p:sp>
       <p:sp>
         <p:nvSpPr>
-          <p:cNvPr id="5" name="Title 1"/>
-          <p:cNvSpPr txBox="1">
-            <a:spLocks/>
-          </p:cNvSpPr>
-          <p:nvPr/>
+          <p:cNvPr id="6" name="Title 1"/>
+          <p:cNvSpPr>
+            <a:spLocks noGrp="1"/>
+          </p:cNvSpPr>
+          <p:nvPr>
+            <p:ph type="ctrTitle"/>
+          </p:nvPr>
         </p:nvSpPr>
         <p:spPr>
           <a:xfrm>
             <a:off x="609600" y="1828800"/>
             <a:ext cx="10972800" cy="4572000"/>
           </a:xfrm>
-          <a:prstGeom prst="rect">
-            <a:avLst/>
-          </a:prstGeom>
         </p:spPr>
         <p:txBody>
-          <a:bodyPr vert="horz" lIns="91440" tIns="45720" rIns="91440" bIns="45720" rtlCol="0" anchor="t">
+          <a:bodyPr anchor="t">
             <a:noAutofit/>
           </a:bodyPr>
-          <a:lstStyle>
-            <a:lvl1pPr algn="ctr" defTabSz="914400" rtl="0" eaLnBrk="1" latinLnBrk="0" hangingPunct="1">
-              <a:lnSpc>
-                <a:spcPct val="90000"/>
-              </a:lnSpc>
-              <a:spcBef>
-                <a:spcPct val="0"/>
-              </a:spcBef>
-              <a:buNone/>
-              <a:defRPr sz="6000" kern="1200">
-                <a:solidFill>
-                  <a:schemeClr val="tx1"/>
-                </a:solidFill>
-                <a:latin typeface="+mj-lt"/>
-                <a:ea typeface="+mj-ea"/>
-                <a:cs typeface="+mj-cs"/>
-              </a:defRPr>
-            </a:lvl1pPr>
-          </a:lstStyle>
+          <a:lstStyle/>
           <a:p>
             <a:pPr algn="l"/>
             <a:r>
@@ -3097,7 +3092,7 @@
                 </a:solidFill>
                 <a:latin typeface="SF Pro Display" panose="00000500000000000000" pitchFamily="2" charset="0"/>
               </a:rPr>
-              <a:t>SOFTWARE MISTAKES AND TRADEOFFS</a:t>
+              <a:t>Software Mistakes And Tradeoffs</a:t>
             </a:r>
             <a:endParaRPr lang="en-US" sz="10000" b="1" spc="300" dirty="0">
               <a:solidFill>
@@ -3131,6 +3126,20 @@
 <file path=ppt/slides/slide2.xml><?xml version="1.0" encoding="utf-8"?>
 <p:sld xmlns:a="http://schemas.openxmlformats.org/drawingml/2006/main" xmlns:r="http://schemas.openxmlformats.org/officeDocument/2006/relationships" xmlns:p="http://schemas.openxmlformats.org/presentationml/2006/main">
   <p:cSld>
+    <p:bg>
+      <p:bgPr>
+        <a:blipFill dpi="0" rotWithShape="1">
+          <a:blip r:embed="rId2">
+            <a:lum/>
+          </a:blip>
+          <a:srcRect/>
+          <a:stretch>
+            <a:fillRect t="-9000" b="-9000"/>
+          </a:stretch>
+        </a:blipFill>
+        <a:effectLst/>
+      </p:bgPr>
+    </p:bg>
     <p:spTree>
       <p:nvGrpSpPr>
         <p:cNvPr id="1" name=""/>
@@ -3147,47 +3156,6 @@
       </p:grpSpPr>
       <p:sp>
         <p:nvSpPr>
-          <p:cNvPr id="2" name="Title 1"/>
-          <p:cNvSpPr>
-            <a:spLocks noGrp="1"/>
-          </p:cNvSpPr>
-          <p:nvPr>
-            <p:ph type="ctrTitle"/>
-          </p:nvPr>
-        </p:nvSpPr>
-        <p:spPr>
-          <a:xfrm>
-            <a:off x="609600" y="1828800"/>
-            <a:ext cx="10972800" cy="4572000"/>
-          </a:xfrm>
-        </p:spPr>
-        <p:txBody>
-          <a:bodyPr anchor="t">
-            <a:noAutofit/>
-          </a:bodyPr>
-          <a:lstStyle/>
-          <a:p>
-            <a:pPr algn="l"/>
-            <a:r>
-              <a:rPr lang="en-US" sz="10000" b="1" spc="300" dirty="0" smtClean="0">
-                <a:solidFill>
-                  <a:schemeClr val="bg1"/>
-                </a:solidFill>
-                <a:latin typeface="SF Pro Display" panose="00000500000000000000" pitchFamily="2" charset="0"/>
-              </a:rPr>
-              <a:t>SOFTWARE MISTAKES AND TRADEOFFS</a:t>
-            </a:r>
-            <a:endParaRPr lang="en-US" sz="10000" b="1" spc="300" dirty="0">
-              <a:solidFill>
-                <a:schemeClr val="bg1"/>
-              </a:solidFill>
-              <a:latin typeface="SF Pro Display" panose="00000500000000000000" pitchFamily="2" charset="0"/>
-            </a:endParaRPr>
-          </a:p>
-        </p:txBody>
-      </p:sp>
-      <p:sp>
-        <p:nvSpPr>
           <p:cNvPr id="4" name="Title 3"/>
           <p:cNvSpPr txBox="1">
             <a:spLocks/>
@@ -3235,7 +3203,16 @@
                 </a:solidFill>
                 <a:latin typeface="SF Pro Display" panose="00000500000000000000" pitchFamily="2" charset="0"/>
               </a:rPr>
-              <a:t>Episode 2/2</a:t>
+              <a:t>Episode </a:t>
+            </a:r>
+            <a:r>
+              <a:rPr lang="en-US" dirty="0" smtClean="0">
+                <a:solidFill>
+                  <a:schemeClr val="bg1"/>
+                </a:solidFill>
+                <a:latin typeface="SF Pro Display" panose="00000500000000000000" pitchFamily="2" charset="0"/>
+              </a:rPr>
+              <a:t>2/2</a:t>
             </a:r>
             <a:endParaRPr lang="en-US" dirty="0">
               <a:solidFill>
@@ -3246,10 +3223,51 @@
           </a:p>
         </p:txBody>
       </p:sp>
+      <p:sp>
+        <p:nvSpPr>
+          <p:cNvPr id="6" name="Title 1"/>
+          <p:cNvSpPr>
+            <a:spLocks noGrp="1"/>
+          </p:cNvSpPr>
+          <p:nvPr>
+            <p:ph type="ctrTitle"/>
+          </p:nvPr>
+        </p:nvSpPr>
+        <p:spPr>
+          <a:xfrm>
+            <a:off x="609600" y="1828800"/>
+            <a:ext cx="10972800" cy="4572000"/>
+          </a:xfrm>
+        </p:spPr>
+        <p:txBody>
+          <a:bodyPr anchor="t">
+            <a:noAutofit/>
+          </a:bodyPr>
+          <a:lstStyle/>
+          <a:p>
+            <a:pPr algn="l"/>
+            <a:r>
+              <a:rPr lang="en-US" sz="10000" b="1" spc="300" dirty="0" smtClean="0">
+                <a:solidFill>
+                  <a:schemeClr val="bg1"/>
+                </a:solidFill>
+                <a:latin typeface="SF Pro Display" panose="00000500000000000000" pitchFamily="2" charset="0"/>
+              </a:rPr>
+              <a:t>Software Mistakes And Tradeoffs</a:t>
+            </a:r>
+            <a:endParaRPr lang="en-US" sz="10000" b="1" spc="300" dirty="0">
+              <a:solidFill>
+                <a:schemeClr val="bg1"/>
+              </a:solidFill>
+              <a:latin typeface="SF Pro Display" panose="00000500000000000000" pitchFamily="2" charset="0"/>
+            </a:endParaRPr>
+          </a:p>
+        </p:txBody>
+      </p:sp>
     </p:spTree>
     <p:extLst>
       <p:ext uri="{BB962C8B-B14F-4D97-AF65-F5344CB8AC3E}">
-        <p14:creationId xmlns:p14="http://schemas.microsoft.com/office/powerpoint/2010/main" val="2032401674"/>
+        <p14:creationId xmlns:p14="http://schemas.microsoft.com/office/powerpoint/2010/main" val="505509409"/>
       </p:ext>
     </p:extLst>
   </p:cSld>
@@ -3269,6 +3287,20 @@
 <file path=ppt/slides/slide3.xml><?xml version="1.0" encoding="utf-8"?>
 <p:sld xmlns:a="http://schemas.openxmlformats.org/drawingml/2006/main" xmlns:r="http://schemas.openxmlformats.org/officeDocument/2006/relationships" xmlns:p="http://schemas.openxmlformats.org/presentationml/2006/main">
   <p:cSld>
+    <p:bg>
+      <p:bgPr>
+        <a:blipFill dpi="0" rotWithShape="1">
+          <a:blip r:embed="rId2">
+            <a:lum/>
+          </a:blip>
+          <a:srcRect/>
+          <a:stretch>
+            <a:fillRect t="-9000" b="-9000"/>
+          </a:stretch>
+        </a:blipFill>
+        <a:effectLst/>
+      </p:bgPr>
+    </p:bg>
     <p:spTree>
       <p:nvGrpSpPr>
         <p:cNvPr id="1" name=""/>
@@ -3307,15 +3339,24 @@
           <a:p>
             <a:pPr algn="l"/>
             <a:r>
-              <a:rPr lang="en-US" sz="8000" b="1" spc="300" dirty="0" smtClean="0">
+              <a:rPr lang="en-US" sz="10000" b="1" spc="300" dirty="0" err="1" smtClean="0">
                 <a:solidFill>
                   <a:schemeClr val="bg1"/>
                 </a:solidFill>
                 <a:latin typeface="SF Pro Display" panose="00000500000000000000" pitchFamily="2" charset="0"/>
               </a:rPr>
-              <a:t>GITLAB CI/CD WITH DOCKER AND KUBERNETES FOR MICROSERVICES</a:t>
-            </a:r>
-            <a:endParaRPr lang="en-US" sz="8000" b="1" spc="300" dirty="0">
+              <a:t>Gitlab</a:t>
+            </a:r>
+            <a:r>
+              <a:rPr lang="en-US" sz="10000" b="1" spc="300" dirty="0" smtClean="0">
+                <a:solidFill>
+                  <a:schemeClr val="bg1"/>
+                </a:solidFill>
+                <a:latin typeface="SF Pro Display" panose="00000500000000000000" pitchFamily="2" charset="0"/>
+              </a:rPr>
+              <a:t> CI/CD With Docker And Kubernetes</a:t>
+            </a:r>
+            <a:endParaRPr lang="en-US" sz="10000" b="1" spc="300" dirty="0">
               <a:solidFill>
                 <a:schemeClr val="bg1"/>
               </a:solidFill>

--- a/Youtube-Thumbnail.pptx
+++ b/Youtube-Thumbnail.pptx
@@ -8,6 +8,7 @@
     <p:sldId id="257" r:id="rId2"/>
     <p:sldId id="258" r:id="rId3"/>
     <p:sldId id="256" r:id="rId4"/>
+    <p:sldId id="259" r:id="rId5"/>
   </p:sldIdLst>
   <p:sldSz cx="12192000" cy="6858000"/>
   <p:notesSz cx="6858000" cy="9144000"/>
@@ -167,10 +168,9 @@
           </a:lstStyle>
           <a:p>
             <a:r>
-              <a:rPr lang="en-US" smtClean="0"/>
+              <a:rPr lang="en-US"/>
               <a:t>Click to edit Master title style</a:t>
             </a:r>
-            <a:endParaRPr lang="en-US"/>
           </a:p>
         </p:txBody>
       </p:sp>
@@ -232,10 +232,9 @@
           </a:lstStyle>
           <a:p>
             <a:r>
-              <a:rPr lang="en-US" smtClean="0"/>
+              <a:rPr lang="en-US"/>
               <a:t>Click to edit Master subtitle style</a:t>
             </a:r>
-            <a:endParaRPr lang="en-US"/>
           </a:p>
         </p:txBody>
       </p:sp>
@@ -350,10 +349,9 @@
           <a:lstStyle/>
           <a:p>
             <a:r>
-              <a:rPr lang="en-US" smtClean="0"/>
+              <a:rPr lang="en-US"/>
               <a:t>Click to edit Master title style</a:t>
             </a:r>
-            <a:endParaRPr lang="en-US"/>
           </a:p>
         </p:txBody>
       </p:sp>
@@ -374,38 +372,37 @@
           <a:p>
             <a:pPr lvl="0"/>
             <a:r>
-              <a:rPr lang="en-US" smtClean="0"/>
+              <a:rPr lang="en-US"/>
               <a:t>Edit Master text styles</a:t>
             </a:r>
           </a:p>
           <a:p>
             <a:pPr lvl="1"/>
             <a:r>
-              <a:rPr lang="en-US" smtClean="0"/>
+              <a:rPr lang="en-US"/>
               <a:t>Second level</a:t>
             </a:r>
           </a:p>
           <a:p>
             <a:pPr lvl="2"/>
             <a:r>
-              <a:rPr lang="en-US" smtClean="0"/>
+              <a:rPr lang="en-US"/>
               <a:t>Third level</a:t>
             </a:r>
           </a:p>
           <a:p>
             <a:pPr lvl="3"/>
             <a:r>
-              <a:rPr lang="en-US" smtClean="0"/>
+              <a:rPr lang="en-US"/>
               <a:t>Fourth level</a:t>
             </a:r>
           </a:p>
           <a:p>
             <a:pPr lvl="4"/>
             <a:r>
-              <a:rPr lang="en-US" smtClean="0"/>
+              <a:rPr lang="en-US"/>
               <a:t>Fifth level</a:t>
             </a:r>
-            <a:endParaRPr lang="en-US"/>
           </a:p>
         </p:txBody>
       </p:sp>
@@ -525,10 +522,9 @@
           <a:lstStyle/>
           <a:p>
             <a:r>
-              <a:rPr lang="en-US" smtClean="0"/>
+              <a:rPr lang="en-US"/>
               <a:t>Click to edit Master title style</a:t>
             </a:r>
-            <a:endParaRPr lang="en-US"/>
           </a:p>
         </p:txBody>
       </p:sp>
@@ -554,38 +550,37 @@
           <a:p>
             <a:pPr lvl="0"/>
             <a:r>
-              <a:rPr lang="en-US" smtClean="0"/>
+              <a:rPr lang="en-US"/>
               <a:t>Edit Master text styles</a:t>
             </a:r>
           </a:p>
           <a:p>
             <a:pPr lvl="1"/>
             <a:r>
-              <a:rPr lang="en-US" smtClean="0"/>
+              <a:rPr lang="en-US"/>
               <a:t>Second level</a:t>
             </a:r>
           </a:p>
           <a:p>
             <a:pPr lvl="2"/>
             <a:r>
-              <a:rPr lang="en-US" smtClean="0"/>
+              <a:rPr lang="en-US"/>
               <a:t>Third level</a:t>
             </a:r>
           </a:p>
           <a:p>
             <a:pPr lvl="3"/>
             <a:r>
-              <a:rPr lang="en-US" smtClean="0"/>
+              <a:rPr lang="en-US"/>
               <a:t>Fourth level</a:t>
             </a:r>
           </a:p>
           <a:p>
             <a:pPr lvl="4"/>
             <a:r>
-              <a:rPr lang="en-US" smtClean="0"/>
+              <a:rPr lang="en-US"/>
               <a:t>Fifth level</a:t>
             </a:r>
-            <a:endParaRPr lang="en-US"/>
           </a:p>
         </p:txBody>
       </p:sp>
@@ -700,10 +695,9 @@
           <a:lstStyle/>
           <a:p>
             <a:r>
-              <a:rPr lang="en-US" smtClean="0"/>
+              <a:rPr lang="en-US"/>
               <a:t>Click to edit Master title style</a:t>
             </a:r>
-            <a:endParaRPr lang="en-US"/>
           </a:p>
         </p:txBody>
       </p:sp>
@@ -724,38 +718,37 @@
           <a:p>
             <a:pPr lvl="0"/>
             <a:r>
-              <a:rPr lang="en-US" smtClean="0"/>
+              <a:rPr lang="en-US"/>
               <a:t>Edit Master text styles</a:t>
             </a:r>
           </a:p>
           <a:p>
             <a:pPr lvl="1"/>
             <a:r>
-              <a:rPr lang="en-US" smtClean="0"/>
+              <a:rPr lang="en-US"/>
               <a:t>Second level</a:t>
             </a:r>
           </a:p>
           <a:p>
             <a:pPr lvl="2"/>
             <a:r>
-              <a:rPr lang="en-US" smtClean="0"/>
+              <a:rPr lang="en-US"/>
               <a:t>Third level</a:t>
             </a:r>
           </a:p>
           <a:p>
             <a:pPr lvl="3"/>
             <a:r>
-              <a:rPr lang="en-US" smtClean="0"/>
+              <a:rPr lang="en-US"/>
               <a:t>Fourth level</a:t>
             </a:r>
           </a:p>
           <a:p>
             <a:pPr lvl="4"/>
             <a:r>
-              <a:rPr lang="en-US" smtClean="0"/>
+              <a:rPr lang="en-US"/>
               <a:t>Fifth level</a:t>
             </a:r>
-            <a:endParaRPr lang="en-US"/>
           </a:p>
         </p:txBody>
       </p:sp>
@@ -879,10 +872,9 @@
           </a:lstStyle>
           <a:p>
             <a:r>
-              <a:rPr lang="en-US" smtClean="0"/>
+              <a:rPr lang="en-US"/>
               <a:t>Click to edit Master title style</a:t>
             </a:r>
-            <a:endParaRPr lang="en-US"/>
           </a:p>
         </p:txBody>
       </p:sp>
@@ -999,7 +991,7 @@
           <a:p>
             <a:pPr lvl="0"/>
             <a:r>
-              <a:rPr lang="en-US" smtClean="0"/>
+              <a:rPr lang="en-US"/>
               <a:t>Edit Master text styles</a:t>
             </a:r>
           </a:p>
@@ -1116,10 +1108,9 @@
           <a:lstStyle/>
           <a:p>
             <a:r>
-              <a:rPr lang="en-US" smtClean="0"/>
+              <a:rPr lang="en-US"/>
               <a:t>Click to edit Master title style</a:t>
             </a:r>
-            <a:endParaRPr lang="en-US"/>
           </a:p>
         </p:txBody>
       </p:sp>
@@ -1145,38 +1136,37 @@
           <a:p>
             <a:pPr lvl="0"/>
             <a:r>
-              <a:rPr lang="en-US" smtClean="0"/>
+              <a:rPr lang="en-US"/>
               <a:t>Edit Master text styles</a:t>
             </a:r>
           </a:p>
           <a:p>
             <a:pPr lvl="1"/>
             <a:r>
-              <a:rPr lang="en-US" smtClean="0"/>
+              <a:rPr lang="en-US"/>
               <a:t>Second level</a:t>
             </a:r>
           </a:p>
           <a:p>
             <a:pPr lvl="2"/>
             <a:r>
-              <a:rPr lang="en-US" smtClean="0"/>
+              <a:rPr lang="en-US"/>
               <a:t>Third level</a:t>
             </a:r>
           </a:p>
           <a:p>
             <a:pPr lvl="3"/>
             <a:r>
-              <a:rPr lang="en-US" smtClean="0"/>
+              <a:rPr lang="en-US"/>
               <a:t>Fourth level</a:t>
             </a:r>
           </a:p>
           <a:p>
             <a:pPr lvl="4"/>
             <a:r>
-              <a:rPr lang="en-US" smtClean="0"/>
+              <a:rPr lang="en-US"/>
               <a:t>Fifth level</a:t>
             </a:r>
-            <a:endParaRPr lang="en-US"/>
           </a:p>
         </p:txBody>
       </p:sp>
@@ -1202,38 +1192,37 @@
           <a:p>
             <a:pPr lvl="0"/>
             <a:r>
-              <a:rPr lang="en-US" smtClean="0"/>
+              <a:rPr lang="en-US"/>
               <a:t>Edit Master text styles</a:t>
             </a:r>
           </a:p>
           <a:p>
             <a:pPr lvl="1"/>
             <a:r>
-              <a:rPr lang="en-US" smtClean="0"/>
+              <a:rPr lang="en-US"/>
               <a:t>Second level</a:t>
             </a:r>
           </a:p>
           <a:p>
             <a:pPr lvl="2"/>
             <a:r>
-              <a:rPr lang="en-US" smtClean="0"/>
+              <a:rPr lang="en-US"/>
               <a:t>Third level</a:t>
             </a:r>
           </a:p>
           <a:p>
             <a:pPr lvl="3"/>
             <a:r>
-              <a:rPr lang="en-US" smtClean="0"/>
+              <a:rPr lang="en-US"/>
               <a:t>Fourth level</a:t>
             </a:r>
           </a:p>
           <a:p>
             <a:pPr lvl="4"/>
             <a:r>
-              <a:rPr lang="en-US" smtClean="0"/>
+              <a:rPr lang="en-US"/>
               <a:t>Fifth level</a:t>
             </a:r>
-            <a:endParaRPr lang="en-US"/>
           </a:p>
         </p:txBody>
       </p:sp>
@@ -1353,10 +1342,9 @@
           <a:lstStyle/>
           <a:p>
             <a:r>
-              <a:rPr lang="en-US" smtClean="0"/>
+              <a:rPr lang="en-US"/>
               <a:t>Click to edit Master title style</a:t>
             </a:r>
-            <a:endParaRPr lang="en-US"/>
           </a:p>
         </p:txBody>
       </p:sp>
@@ -1419,7 +1407,7 @@
           <a:p>
             <a:pPr lvl="0"/>
             <a:r>
-              <a:rPr lang="en-US" smtClean="0"/>
+              <a:rPr lang="en-US"/>
               <a:t>Edit Master text styles</a:t>
             </a:r>
           </a:p>
@@ -1447,38 +1435,37 @@
           <a:p>
             <a:pPr lvl="0"/>
             <a:r>
-              <a:rPr lang="en-US" smtClean="0"/>
+              <a:rPr lang="en-US"/>
               <a:t>Edit Master text styles</a:t>
             </a:r>
           </a:p>
           <a:p>
             <a:pPr lvl="1"/>
             <a:r>
-              <a:rPr lang="en-US" smtClean="0"/>
+              <a:rPr lang="en-US"/>
               <a:t>Second level</a:t>
             </a:r>
           </a:p>
           <a:p>
             <a:pPr lvl="2"/>
             <a:r>
-              <a:rPr lang="en-US" smtClean="0"/>
+              <a:rPr lang="en-US"/>
               <a:t>Third level</a:t>
             </a:r>
           </a:p>
           <a:p>
             <a:pPr lvl="3"/>
             <a:r>
-              <a:rPr lang="en-US" smtClean="0"/>
+              <a:rPr lang="en-US"/>
               <a:t>Fourth level</a:t>
             </a:r>
           </a:p>
           <a:p>
             <a:pPr lvl="4"/>
             <a:r>
-              <a:rPr lang="en-US" smtClean="0"/>
+              <a:rPr lang="en-US"/>
               <a:t>Fifth level</a:t>
             </a:r>
-            <a:endParaRPr lang="en-US"/>
           </a:p>
         </p:txBody>
       </p:sp>
@@ -1541,7 +1528,7 @@
           <a:p>
             <a:pPr lvl="0"/>
             <a:r>
-              <a:rPr lang="en-US" smtClean="0"/>
+              <a:rPr lang="en-US"/>
               <a:t>Edit Master text styles</a:t>
             </a:r>
           </a:p>
@@ -1569,38 +1556,37 @@
           <a:p>
             <a:pPr lvl="0"/>
             <a:r>
-              <a:rPr lang="en-US" smtClean="0"/>
+              <a:rPr lang="en-US"/>
               <a:t>Edit Master text styles</a:t>
             </a:r>
           </a:p>
           <a:p>
             <a:pPr lvl="1"/>
             <a:r>
-              <a:rPr lang="en-US" smtClean="0"/>
+              <a:rPr lang="en-US"/>
               <a:t>Second level</a:t>
             </a:r>
           </a:p>
           <a:p>
             <a:pPr lvl="2"/>
             <a:r>
-              <a:rPr lang="en-US" smtClean="0"/>
+              <a:rPr lang="en-US"/>
               <a:t>Third level</a:t>
             </a:r>
           </a:p>
           <a:p>
             <a:pPr lvl="3"/>
             <a:r>
-              <a:rPr lang="en-US" smtClean="0"/>
+              <a:rPr lang="en-US"/>
               <a:t>Fourth level</a:t>
             </a:r>
           </a:p>
           <a:p>
             <a:pPr lvl="4"/>
             <a:r>
-              <a:rPr lang="en-US" smtClean="0"/>
+              <a:rPr lang="en-US"/>
               <a:t>Fifth level</a:t>
             </a:r>
-            <a:endParaRPr lang="en-US"/>
           </a:p>
         </p:txBody>
       </p:sp>
@@ -1715,10 +1701,9 @@
           <a:lstStyle/>
           <a:p>
             <a:r>
-              <a:rPr lang="en-US" smtClean="0"/>
+              <a:rPr lang="en-US"/>
               <a:t>Click to edit Master title style</a:t>
             </a:r>
-            <a:endParaRPr lang="en-US"/>
           </a:p>
         </p:txBody>
       </p:sp>
@@ -1937,10 +1922,9 @@
           </a:lstStyle>
           <a:p>
             <a:r>
-              <a:rPr lang="en-US" smtClean="0"/>
+              <a:rPr lang="en-US"/>
               <a:t>Click to edit Master title style</a:t>
             </a:r>
-            <a:endParaRPr lang="en-US"/>
           </a:p>
         </p:txBody>
       </p:sp>
@@ -1994,38 +1978,37 @@
           <a:p>
             <a:pPr lvl="0"/>
             <a:r>
-              <a:rPr lang="en-US" smtClean="0"/>
+              <a:rPr lang="en-US"/>
               <a:t>Edit Master text styles</a:t>
             </a:r>
           </a:p>
           <a:p>
             <a:pPr lvl="1"/>
             <a:r>
-              <a:rPr lang="en-US" smtClean="0"/>
+              <a:rPr lang="en-US"/>
               <a:t>Second level</a:t>
             </a:r>
           </a:p>
           <a:p>
             <a:pPr lvl="2"/>
             <a:r>
-              <a:rPr lang="en-US" smtClean="0"/>
+              <a:rPr lang="en-US"/>
               <a:t>Third level</a:t>
             </a:r>
           </a:p>
           <a:p>
             <a:pPr lvl="3"/>
             <a:r>
-              <a:rPr lang="en-US" smtClean="0"/>
+              <a:rPr lang="en-US"/>
               <a:t>Fourth level</a:t>
             </a:r>
           </a:p>
           <a:p>
             <a:pPr lvl="4"/>
             <a:r>
-              <a:rPr lang="en-US" smtClean="0"/>
+              <a:rPr lang="en-US"/>
               <a:t>Fifth level</a:t>
             </a:r>
-            <a:endParaRPr lang="en-US"/>
           </a:p>
         </p:txBody>
       </p:sp>
@@ -2088,7 +2071,7 @@
           <a:p>
             <a:pPr lvl="0"/>
             <a:r>
-              <a:rPr lang="en-US" smtClean="0"/>
+              <a:rPr lang="en-US"/>
               <a:t>Edit Master text styles</a:t>
             </a:r>
           </a:p>
@@ -2214,10 +2197,9 @@
           </a:lstStyle>
           <a:p>
             <a:r>
-              <a:rPr lang="en-US" smtClean="0"/>
+              <a:rPr lang="en-US"/>
               <a:t>Click to edit Master title style</a:t>
             </a:r>
-            <a:endParaRPr lang="en-US"/>
           </a:p>
         </p:txBody>
       </p:sp>
@@ -2341,7 +2323,7 @@
           <a:p>
             <a:pPr lvl="0"/>
             <a:r>
-              <a:rPr lang="en-US" smtClean="0"/>
+              <a:rPr lang="en-US"/>
               <a:t>Edit Master text styles</a:t>
             </a:r>
           </a:p>
@@ -2479,10 +2461,9 @@
           <a:lstStyle/>
           <a:p>
             <a:r>
-              <a:rPr lang="en-US" smtClean="0"/>
+              <a:rPr lang="en-US"/>
               <a:t>Click to edit Master title style</a:t>
             </a:r>
-            <a:endParaRPr lang="en-US"/>
           </a:p>
         </p:txBody>
       </p:sp>
@@ -2513,38 +2494,37 @@
           <a:p>
             <a:pPr lvl="0"/>
             <a:r>
-              <a:rPr lang="en-US" smtClean="0"/>
+              <a:rPr lang="en-US"/>
               <a:t>Edit Master text styles</a:t>
             </a:r>
           </a:p>
           <a:p>
             <a:pPr lvl="1"/>
             <a:r>
-              <a:rPr lang="en-US" smtClean="0"/>
+              <a:rPr lang="en-US"/>
               <a:t>Second level</a:t>
             </a:r>
           </a:p>
           <a:p>
             <a:pPr lvl="2"/>
             <a:r>
-              <a:rPr lang="en-US" smtClean="0"/>
+              <a:rPr lang="en-US"/>
               <a:t>Third level</a:t>
             </a:r>
           </a:p>
           <a:p>
             <a:pPr lvl="3"/>
             <a:r>
-              <a:rPr lang="en-US" smtClean="0"/>
+              <a:rPr lang="en-US"/>
               <a:t>Fourth level</a:t>
             </a:r>
           </a:p>
           <a:p>
             <a:pPr lvl="4"/>
             <a:r>
-              <a:rPr lang="en-US" smtClean="0"/>
+              <a:rPr lang="en-US"/>
               <a:t>Fifth level</a:t>
             </a:r>
-            <a:endParaRPr lang="en-US"/>
           </a:p>
         </p:txBody>
       </p:sp>
@@ -3045,7 +3025,7 @@
           <a:p>
             <a:pPr algn="l"/>
             <a:r>
-              <a:rPr lang="en-US" dirty="0" smtClean="0">
+              <a:rPr lang="en-US" dirty="0">
                 <a:solidFill>
                   <a:schemeClr val="bg1"/>
                 </a:solidFill>
@@ -3053,12 +3033,6 @@
               </a:rPr>
               <a:t>Episode 1/2</a:t>
             </a:r>
-            <a:endParaRPr lang="en-US" dirty="0">
-              <a:solidFill>
-                <a:schemeClr val="bg1"/>
-              </a:solidFill>
-              <a:latin typeface="SF Pro Display" panose="00000500000000000000" pitchFamily="2" charset="0"/>
-            </a:endParaRPr>
           </a:p>
         </p:txBody>
       </p:sp>
@@ -3086,20 +3060,14 @@
           <a:p>
             <a:pPr algn="l"/>
             <a:r>
-              <a:rPr lang="en-US" sz="10000" b="1" spc="300" dirty="0" smtClean="0">
+              <a:rPr lang="en-US" sz="10000" b="1" spc="300" dirty="0">
                 <a:solidFill>
                   <a:schemeClr val="bg1"/>
                 </a:solidFill>
                 <a:latin typeface="SF Pro Display" panose="00000500000000000000" pitchFamily="2" charset="0"/>
               </a:rPr>
-              <a:t>Software Mistakes And Tradeoffs</a:t>
-            </a:r>
-            <a:endParaRPr lang="en-US" sz="10000" b="1" spc="300" dirty="0">
-              <a:solidFill>
-                <a:schemeClr val="bg1"/>
-              </a:solidFill>
-              <a:latin typeface="SF Pro Display" panose="00000500000000000000" pitchFamily="2" charset="0"/>
-            </a:endParaRPr>
+              <a:t>Go Programming Tutorial for Beginners</a:t>
+            </a:r>
           </a:p>
         </p:txBody>
       </p:sp>
@@ -3113,13 +3081,6 @@
   <p:clrMapOvr>
     <a:masterClrMapping/>
   </p:clrMapOvr>
-  <p:timing>
-    <p:tnLst>
-      <p:par>
-        <p:cTn id="1" dur="indefinite" restart="never" nodeType="tmRoot"/>
-      </p:par>
-    </p:tnLst>
-  </p:timing>
 </p:sld>
 </file>
 
@@ -3197,29 +3158,14 @@
           <a:p>
             <a:pPr algn="l"/>
             <a:r>
-              <a:rPr lang="en-US" dirty="0" smtClean="0">
+              <a:rPr lang="en-US" dirty="0">
                 <a:solidFill>
                   <a:schemeClr val="bg1"/>
                 </a:solidFill>
                 <a:latin typeface="SF Pro Display" panose="00000500000000000000" pitchFamily="2" charset="0"/>
               </a:rPr>
-              <a:t>Episode </a:t>
-            </a:r>
-            <a:r>
-              <a:rPr lang="en-US" dirty="0" smtClean="0">
-                <a:solidFill>
-                  <a:schemeClr val="bg1"/>
-                </a:solidFill>
-                <a:latin typeface="SF Pro Display" panose="00000500000000000000" pitchFamily="2" charset="0"/>
-              </a:rPr>
-              <a:t>2/2</a:t>
-            </a:r>
-            <a:endParaRPr lang="en-US" dirty="0">
-              <a:solidFill>
-                <a:schemeClr val="bg1"/>
-              </a:solidFill>
-              <a:latin typeface="SF Pro Display" panose="00000500000000000000" pitchFamily="2" charset="0"/>
-            </a:endParaRPr>
+              <a:t>Episode 2/2</a:t>
+            </a:r>
           </a:p>
         </p:txBody>
       </p:sp>
@@ -3247,20 +3193,14 @@
           <a:p>
             <a:pPr algn="l"/>
             <a:r>
-              <a:rPr lang="en-US" sz="10000" b="1" spc="300" dirty="0" smtClean="0">
+              <a:rPr lang="en-US" sz="10000" b="1" spc="300" dirty="0">
                 <a:solidFill>
                   <a:schemeClr val="bg1"/>
                 </a:solidFill>
                 <a:latin typeface="SF Pro Display" panose="00000500000000000000" pitchFamily="2" charset="0"/>
               </a:rPr>
-              <a:t>Software Mistakes And Tradeoffs</a:t>
-            </a:r>
-            <a:endParaRPr lang="en-US" sz="10000" b="1" spc="300" dirty="0">
-              <a:solidFill>
-                <a:schemeClr val="bg1"/>
-              </a:solidFill>
-              <a:latin typeface="SF Pro Display" panose="00000500000000000000" pitchFamily="2" charset="0"/>
-            </a:endParaRPr>
+              <a:t>Go Programming Tutorial for Beginners</a:t>
+            </a:r>
           </a:p>
         </p:txBody>
       </p:sp>
@@ -3274,13 +3214,6 @@
   <p:clrMapOvr>
     <a:masterClrMapping/>
   </p:clrMapOvr>
-  <p:timing>
-    <p:tnLst>
-      <p:par>
-        <p:cTn id="1" dur="indefinite" restart="never" nodeType="tmRoot"/>
-      </p:par>
-    </p:tnLst>
-  </p:timing>
 </p:sld>
 </file>
 
@@ -3339,29 +3272,31 @@
           <a:p>
             <a:pPr algn="l"/>
             <a:r>
-              <a:rPr lang="en-US" sz="10000" b="1" spc="300" dirty="0" err="1" smtClean="0">
+              <a:rPr lang="en-US" sz="7000" b="1" spc="300" dirty="0">
                 <a:solidFill>
                   <a:schemeClr val="bg1"/>
                 </a:solidFill>
                 <a:latin typeface="SF Pro Display" panose="00000500000000000000" pitchFamily="2" charset="0"/>
               </a:rPr>
-              <a:t>Gitlab</a:t>
-            </a:r>
-            <a:r>
-              <a:rPr lang="en-US" sz="10000" b="1" spc="300" dirty="0" smtClean="0">
+              <a:t>Amazon Business Model </a:t>
+            </a:r>
+            <a:br>
+              <a:rPr lang="en-US" sz="8800" b="1" spc="300" dirty="0">
                 <a:solidFill>
                   <a:schemeClr val="bg1"/>
                 </a:solidFill>
                 <a:latin typeface="SF Pro Display" panose="00000500000000000000" pitchFamily="2" charset="0"/>
               </a:rPr>
-              <a:t> CI/CD With Docker And Kubernetes</a:t>
-            </a:r>
-            <a:endParaRPr lang="en-US" sz="10000" b="1" spc="300" dirty="0">
-              <a:solidFill>
-                <a:schemeClr val="bg1"/>
-              </a:solidFill>
-              <a:latin typeface="SF Pro Display" panose="00000500000000000000" pitchFamily="2" charset="0"/>
-            </a:endParaRPr>
+            </a:br>
+            <a:r>
+              <a:rPr lang="en-US" sz="10000" b="1" spc="300" dirty="0">
+                <a:solidFill>
+                  <a:schemeClr val="bg1"/>
+                </a:solidFill>
+                <a:latin typeface="SF Pro Display" panose="00000500000000000000" pitchFamily="2" charset="0"/>
+              </a:rPr>
+              <a:t>How Amazon Makes Money</a:t>
+            </a:r>
           </a:p>
         </p:txBody>
       </p:sp>
@@ -3408,7 +3343,7 @@
           <a:p>
             <a:pPr algn="l"/>
             <a:r>
-              <a:rPr lang="en-US" dirty="0" smtClean="0">
+              <a:rPr lang="en-US" dirty="0">
                 <a:solidFill>
                   <a:schemeClr val="bg1"/>
                 </a:solidFill>
@@ -3416,12 +3351,6 @@
               </a:rPr>
               <a:t>Full Episode</a:t>
             </a:r>
-            <a:endParaRPr lang="en-US" dirty="0">
-              <a:solidFill>
-                <a:schemeClr val="bg1"/>
-              </a:solidFill>
-              <a:latin typeface="SF Pro Display" panose="00000500000000000000" pitchFamily="2" charset="0"/>
-            </a:endParaRPr>
           </a:p>
         </p:txBody>
       </p:sp>
@@ -3435,13 +3364,156 @@
   <p:clrMapOvr>
     <a:masterClrMapping/>
   </p:clrMapOvr>
-  <p:timing>
-    <p:tnLst>
-      <p:par>
-        <p:cTn id="1" dur="indefinite" restart="never" nodeType="tmRoot"/>
-      </p:par>
-    </p:tnLst>
-  </p:timing>
+</p:sld>
+</file>
+
+<file path=ppt/slides/slide4.xml><?xml version="1.0" encoding="utf-8"?>
+<p:sld xmlns:a="http://schemas.openxmlformats.org/drawingml/2006/main" xmlns:r="http://schemas.openxmlformats.org/officeDocument/2006/relationships" xmlns:p="http://schemas.openxmlformats.org/presentationml/2006/main">
+  <p:cSld>
+    <p:bg>
+      <p:bgPr>
+        <a:blipFill dpi="0" rotWithShape="1">
+          <a:blip r:embed="rId2">
+            <a:lum/>
+          </a:blip>
+          <a:srcRect/>
+          <a:stretch>
+            <a:fillRect t="-9000" b="-9000"/>
+          </a:stretch>
+        </a:blipFill>
+        <a:effectLst/>
+      </p:bgPr>
+    </p:bg>
+    <p:spTree>
+      <p:nvGrpSpPr>
+        <p:cNvPr id="1" name=""/>
+        <p:cNvGrpSpPr/>
+        <p:nvPr/>
+      </p:nvGrpSpPr>
+      <p:grpSpPr>
+        <a:xfrm>
+          <a:off x="0" y="0"/>
+          <a:ext cx="0" cy="0"/>
+          <a:chOff x="0" y="0"/>
+          <a:chExt cx="0" cy="0"/>
+        </a:xfrm>
+      </p:grpSpPr>
+      <p:sp>
+        <p:nvSpPr>
+          <p:cNvPr id="2" name="Title 1"/>
+          <p:cNvSpPr>
+            <a:spLocks noGrp="1"/>
+          </p:cNvSpPr>
+          <p:nvPr>
+            <p:ph type="ctrTitle"/>
+          </p:nvPr>
+        </p:nvSpPr>
+        <p:spPr>
+          <a:xfrm>
+            <a:off x="609600" y="1828800"/>
+            <a:ext cx="10972800" cy="4572000"/>
+          </a:xfrm>
+        </p:spPr>
+        <p:txBody>
+          <a:bodyPr anchor="t">
+            <a:noAutofit/>
+          </a:bodyPr>
+          <a:lstStyle/>
+          <a:p>
+            <a:pPr algn="l"/>
+            <a:r>
+              <a:rPr lang="en-US" sz="7000" b="1" spc="300" dirty="0">
+                <a:solidFill>
+                  <a:schemeClr val="bg1"/>
+                </a:solidFill>
+                <a:latin typeface="SF Pro Display" panose="00000500000000000000" pitchFamily="2" charset="0"/>
+              </a:rPr>
+              <a:t>Shopify Business Model </a:t>
+            </a:r>
+            <a:br>
+              <a:rPr lang="en-US" sz="8500" b="1" spc="300" dirty="0">
+                <a:solidFill>
+                  <a:schemeClr val="bg1"/>
+                </a:solidFill>
+                <a:latin typeface="SF Pro Display" panose="00000500000000000000" pitchFamily="2" charset="0"/>
+              </a:rPr>
+            </a:br>
+            <a:r>
+              <a:rPr lang="en-US" sz="10000" b="1" spc="300" dirty="0">
+                <a:solidFill>
+                  <a:schemeClr val="bg1"/>
+                </a:solidFill>
+                <a:latin typeface="SF Pro Display" panose="00000500000000000000" pitchFamily="2" charset="0"/>
+              </a:rPr>
+              <a:t>How Shopify Makes Money</a:t>
+            </a:r>
+          </a:p>
+        </p:txBody>
+      </p:sp>
+      <p:sp>
+        <p:nvSpPr>
+          <p:cNvPr id="4" name="Title 3"/>
+          <p:cNvSpPr txBox="1">
+            <a:spLocks/>
+          </p:cNvSpPr>
+          <p:nvPr/>
+        </p:nvSpPr>
+        <p:spPr>
+          <a:xfrm>
+            <a:off x="609600" y="634483"/>
+            <a:ext cx="10972800" cy="970380"/>
+          </a:xfrm>
+          <a:prstGeom prst="rect">
+            <a:avLst/>
+          </a:prstGeom>
+        </p:spPr>
+        <p:txBody>
+          <a:bodyPr vert="horz" lIns="91440" tIns="45720" rIns="91440" bIns="45720" rtlCol="0" anchor="b">
+            <a:normAutofit/>
+          </a:bodyPr>
+          <a:lstStyle>
+            <a:lvl1pPr algn="ctr" defTabSz="914400" rtl="0" eaLnBrk="1" latinLnBrk="0" hangingPunct="1">
+              <a:lnSpc>
+                <a:spcPct val="90000"/>
+              </a:lnSpc>
+              <a:spcBef>
+                <a:spcPct val="0"/>
+              </a:spcBef>
+              <a:buNone/>
+              <a:defRPr sz="6000" kern="1200">
+                <a:solidFill>
+                  <a:schemeClr val="tx1"/>
+                </a:solidFill>
+                <a:latin typeface="+mj-lt"/>
+                <a:ea typeface="+mj-ea"/>
+                <a:cs typeface="+mj-cs"/>
+              </a:defRPr>
+            </a:lvl1pPr>
+          </a:lstStyle>
+          <a:p>
+            <a:pPr algn="l"/>
+            <a:r>
+              <a:rPr lang="en-US" dirty="0">
+                <a:solidFill>
+                  <a:schemeClr val="bg1"/>
+                </a:solidFill>
+                <a:latin typeface="SF Pro Display" panose="00000500000000000000" pitchFamily="2" charset="0"/>
+              </a:rPr>
+              <a:t>Full Episode</a:t>
+            </a:r>
+          </a:p>
+        </p:txBody>
+      </p:sp>
+    </p:spTree>
+    <p:extLst>
+      <p:ext uri="{BB962C8B-B14F-4D97-AF65-F5344CB8AC3E}">
+        <p14:creationId xmlns:p14="http://schemas.microsoft.com/office/powerpoint/2010/main" val="4033154022"/>
+      </p:ext>
+    </p:extLst>
+  </p:cSld>
+  <p:clrMapOvr>
+    <a:masterClrMapping/>
+  </p:clrMapOvr>
 </p:sld>
 </file>
 
